--- a/Paper/master-thesis/src/img/修論用の図.pptx
+++ b/Paper/master-thesis/src/img/修論用の図.pptx
@@ -6,13 +6,14 @@
   </p:sldMasterIdLst>
   <p:sldIdLst>
     <p:sldId id="256" r:id="rId2"/>
+    <p:sldId id="257" r:id="rId3"/>
   </p:sldIdLst>
   <p:sldSz cx="9144000" cy="6858000" type="screen4x3"/>
   <p:notesSz cx="6735763" cy="9866313"/>
   <p:embeddedFontLst>
     <p:embeddedFont>
       <p:font typeface="Spica Neue" panose="02000503000000000000" pitchFamily="2" charset="-128"/>
-      <p:regular r:id="rId3"/>
+      <p:regular r:id="rId4"/>
     </p:embeddedFont>
   </p:embeddedFontLst>
   <p:defaultTextStyle>
@@ -1941,7 +1942,7 @@
   <p:clrMapOvr>
     <a:masterClrMapping/>
   </p:clrMapOvr>
-  <p:extLst mod="1">
+  <p:extLst>
     <p:ext uri="{DCECCB84-F9BA-43D5-87BE-67443E8EF086}">
       <p15:sldGuideLst xmlns:p15="http://schemas.microsoft.com/office/powerpoint/2012/main">
         <p15:guide id="1" orient="horz" pos="2160">
@@ -5265,6 +5266,1232 @@
 </p:sld>
 </file>
 
+<file path=ppt/slides/slide2.xml><?xml version="1.0" encoding="utf-8"?>
+<p:sld xmlns:a="http://schemas.openxmlformats.org/drawingml/2006/main" xmlns:r="http://schemas.openxmlformats.org/officeDocument/2006/relationships" xmlns:p="http://schemas.openxmlformats.org/presentationml/2006/main">
+  <p:cSld>
+    <p:spTree>
+      <p:nvGrpSpPr>
+        <p:cNvPr id="1" name=""/>
+        <p:cNvGrpSpPr/>
+        <p:nvPr/>
+      </p:nvGrpSpPr>
+      <p:grpSpPr>
+        <a:xfrm>
+          <a:off x="0" y="0"/>
+          <a:ext cx="0" cy="0"/>
+          <a:chOff x="0" y="0"/>
+          <a:chExt cx="0" cy="0"/>
+        </a:xfrm>
+      </p:grpSpPr>
+      <p:sp>
+        <p:nvSpPr>
+          <p:cNvPr id="2" name="フッター プレースホルダー 1">
+            <a:extLst>
+              <a:ext uri="{FF2B5EF4-FFF2-40B4-BE49-F238E27FC236}">
+                <a16:creationId xmlns:a16="http://schemas.microsoft.com/office/drawing/2014/main" id="{EDAB1E49-9FAB-C045-889B-C284F4BDB937}"/>
+              </a:ext>
+            </a:extLst>
+          </p:cNvPr>
+          <p:cNvSpPr>
+            <a:spLocks noGrp="1"/>
+          </p:cNvSpPr>
+          <p:nvPr>
+            <p:ph type="ftr" sz="quarter" idx="10"/>
+          </p:nvPr>
+        </p:nvSpPr>
+        <p:spPr/>
+        <p:txBody>
+          <a:bodyPr/>
+          <a:lstStyle/>
+          <a:p>
+            <a:endParaRPr lang="ja-JP" altLang="en-US" dirty="0">
+              <a:solidFill>
+                <a:srgbClr val="323232"/>
+              </a:solidFill>
+            </a:endParaRPr>
+          </a:p>
+        </p:txBody>
+      </p:sp>
+      <p:sp>
+        <p:nvSpPr>
+          <p:cNvPr id="3" name="スライド番号プレースホルダー 2">
+            <a:extLst>
+              <a:ext uri="{FF2B5EF4-FFF2-40B4-BE49-F238E27FC236}">
+                <a16:creationId xmlns:a16="http://schemas.microsoft.com/office/drawing/2014/main" id="{D273F07F-E172-4A4F-AEE6-6B6D470664DC}"/>
+              </a:ext>
+            </a:extLst>
+          </p:cNvPr>
+          <p:cNvSpPr>
+            <a:spLocks noGrp="1"/>
+          </p:cNvSpPr>
+          <p:nvPr>
+            <p:ph type="sldNum" sz="quarter" idx="11"/>
+          </p:nvPr>
+        </p:nvSpPr>
+        <p:spPr/>
+        <p:txBody>
+          <a:bodyPr/>
+          <a:lstStyle/>
+          <a:p>
+            <a:fld id="{5D29B136-363A-44F2-87B3-E68585EE69B2}" type="slidenum">
+              <a:rPr lang="ja-JP" altLang="en-US" smtClean="0">
+                <a:solidFill>
+                  <a:srgbClr val="505050"/>
+                </a:solidFill>
+              </a:rPr>
+              <a:pPr/>
+              <a:t>2</a:t>
+            </a:fld>
+            <a:endParaRPr lang="ja-JP" altLang="en-US">
+              <a:solidFill>
+                <a:srgbClr val="505050"/>
+              </a:solidFill>
+            </a:endParaRPr>
+          </a:p>
+        </p:txBody>
+      </p:sp>
+      <p:sp>
+        <p:nvSpPr>
+          <p:cNvPr id="4" name="タイトル 3">
+            <a:extLst>
+              <a:ext uri="{FF2B5EF4-FFF2-40B4-BE49-F238E27FC236}">
+                <a16:creationId xmlns:a16="http://schemas.microsoft.com/office/drawing/2014/main" id="{1A4B5845-A732-D944-9D1F-7F366039605B}"/>
+              </a:ext>
+            </a:extLst>
+          </p:cNvPr>
+          <p:cNvSpPr>
+            <a:spLocks noGrp="1"/>
+          </p:cNvSpPr>
+          <p:nvPr>
+            <p:ph type="title"/>
+          </p:nvPr>
+        </p:nvSpPr>
+        <p:spPr/>
+        <p:txBody>
+          <a:bodyPr/>
+          <a:lstStyle/>
+          <a:p>
+            <a:endParaRPr kumimoji="1" lang="ja-JP" altLang="en-US"/>
+          </a:p>
+        </p:txBody>
+      </p:sp>
+      <p:sp>
+        <p:nvSpPr>
+          <p:cNvPr id="5" name="角丸四角形吹き出し 4">
+            <a:extLst>
+              <a:ext uri="{FF2B5EF4-FFF2-40B4-BE49-F238E27FC236}">
+                <a16:creationId xmlns:a16="http://schemas.microsoft.com/office/drawing/2014/main" id="{76618ABD-4A27-A740-8717-D5A74CD6B59A}"/>
+              </a:ext>
+            </a:extLst>
+          </p:cNvPr>
+          <p:cNvSpPr/>
+          <p:nvPr/>
+        </p:nvSpPr>
+        <p:spPr>
+          <a:xfrm>
+            <a:off x="3981306" y="818088"/>
+            <a:ext cx="5273096" cy="414462"/>
+          </a:xfrm>
+          <a:prstGeom prst="wedgeRoundRectCallout">
+            <a:avLst>
+              <a:gd name="adj1" fmla="val 1079"/>
+              <a:gd name="adj2" fmla="val 162505"/>
+              <a:gd name="adj3" fmla="val 16667"/>
+            </a:avLst>
+          </a:prstGeom>
+        </p:spPr>
+        <p:style>
+          <a:lnRef idx="2">
+            <a:schemeClr val="accent1"/>
+          </a:lnRef>
+          <a:fillRef idx="1">
+            <a:schemeClr val="lt1"/>
+          </a:fillRef>
+          <a:effectRef idx="0">
+            <a:schemeClr val="accent1"/>
+          </a:effectRef>
+          <a:fontRef idx="minor">
+            <a:schemeClr val="dk1"/>
+          </a:fontRef>
+        </p:style>
+        <p:txBody>
+          <a:bodyPr rtlCol="0" anchor="ctr"/>
+          <a:lstStyle/>
+          <a:p>
+            <a:pPr algn="ctr"/>
+            <a:r>
+              <a:rPr lang="en-US" altLang="ja-JP" dirty="0"/>
+              <a:t>Bid offer resource time and cost</a:t>
+            </a:r>
+            <a:endParaRPr kumimoji="1" lang="ja-JP" altLang="en-US"/>
+          </a:p>
+        </p:txBody>
+      </p:sp>
+      <p:pic>
+        <p:nvPicPr>
+          <p:cNvPr id="6" name="図 5">
+            <a:extLst>
+              <a:ext uri="{FF2B5EF4-FFF2-40B4-BE49-F238E27FC236}">
+                <a16:creationId xmlns:a16="http://schemas.microsoft.com/office/drawing/2014/main" id="{CD93937E-560E-1A4F-8C80-0954E10B2339}"/>
+              </a:ext>
+            </a:extLst>
+          </p:cNvPr>
+          <p:cNvPicPr>
+            <a:picLocks noChangeAspect="1"/>
+          </p:cNvPicPr>
+          <p:nvPr/>
+        </p:nvPicPr>
+        <p:blipFill>
+          <a:blip r:embed="rId2" cstate="print">
+            <a:extLst>
+              <a:ext uri="{28A0092B-C50C-407E-A947-70E740481C1C}">
+                <a14:useLocalDpi xmlns:a14="http://schemas.microsoft.com/office/drawing/2010/main" val="0"/>
+              </a:ext>
+            </a:extLst>
+          </a:blip>
+          <a:stretch>
+            <a:fillRect/>
+          </a:stretch>
+        </p:blipFill>
+        <p:spPr>
+          <a:xfrm>
+            <a:off x="2939920" y="1644597"/>
+            <a:ext cx="765601" cy="765601"/>
+          </a:xfrm>
+          <a:prstGeom prst="rect">
+            <a:avLst/>
+          </a:prstGeom>
+        </p:spPr>
+      </p:pic>
+      <p:pic>
+        <p:nvPicPr>
+          <p:cNvPr id="7" name="図 6">
+            <a:extLst>
+              <a:ext uri="{FF2B5EF4-FFF2-40B4-BE49-F238E27FC236}">
+                <a16:creationId xmlns:a16="http://schemas.microsoft.com/office/drawing/2014/main" id="{DBF772F9-3D05-474F-8D43-A0E05A3D3093}"/>
+              </a:ext>
+            </a:extLst>
+          </p:cNvPr>
+          <p:cNvPicPr>
+            <a:picLocks noChangeAspect="1"/>
+          </p:cNvPicPr>
+          <p:nvPr/>
+        </p:nvPicPr>
+        <p:blipFill>
+          <a:blip r:embed="rId2" cstate="print">
+            <a:extLst>
+              <a:ext uri="{28A0092B-C50C-407E-A947-70E740481C1C}">
+                <a14:useLocalDpi xmlns:a14="http://schemas.microsoft.com/office/drawing/2010/main" val="0"/>
+              </a:ext>
+            </a:extLst>
+          </a:blip>
+          <a:stretch>
+            <a:fillRect/>
+          </a:stretch>
+        </p:blipFill>
+        <p:spPr>
+          <a:xfrm>
+            <a:off x="5716158" y="3924812"/>
+            <a:ext cx="765601" cy="765601"/>
+          </a:xfrm>
+          <a:prstGeom prst="rect">
+            <a:avLst/>
+          </a:prstGeom>
+        </p:spPr>
+      </p:pic>
+      <p:pic>
+        <p:nvPicPr>
+          <p:cNvPr id="8" name="図 7">
+            <a:extLst>
+              <a:ext uri="{FF2B5EF4-FFF2-40B4-BE49-F238E27FC236}">
+                <a16:creationId xmlns:a16="http://schemas.microsoft.com/office/drawing/2014/main" id="{E7E47CB9-B0CB-A046-AAA7-F59E7C7232E2}"/>
+              </a:ext>
+            </a:extLst>
+          </p:cNvPr>
+          <p:cNvPicPr>
+            <a:picLocks noChangeAspect="1"/>
+          </p:cNvPicPr>
+          <p:nvPr/>
+        </p:nvPicPr>
+        <p:blipFill>
+          <a:blip r:embed="rId2" cstate="print">
+            <a:extLst>
+              <a:ext uri="{28A0092B-C50C-407E-A947-70E740481C1C}">
+                <a14:useLocalDpi xmlns:a14="http://schemas.microsoft.com/office/drawing/2010/main" val="0"/>
+              </a:ext>
+            </a:extLst>
+          </a:blip>
+          <a:stretch>
+            <a:fillRect/>
+          </a:stretch>
+        </p:blipFill>
+        <p:spPr>
+          <a:xfrm>
+            <a:off x="3068077" y="3944378"/>
+            <a:ext cx="765601" cy="765601"/>
+          </a:xfrm>
+          <a:prstGeom prst="rect">
+            <a:avLst/>
+          </a:prstGeom>
+        </p:spPr>
+      </p:pic>
+      <p:sp>
+        <p:nvSpPr>
+          <p:cNvPr id="9" name="正方形/長方形 8">
+            <a:extLst>
+              <a:ext uri="{FF2B5EF4-FFF2-40B4-BE49-F238E27FC236}">
+                <a16:creationId xmlns:a16="http://schemas.microsoft.com/office/drawing/2014/main" id="{65BFB3AA-E356-5147-A844-66212FAF2A9D}"/>
+              </a:ext>
+            </a:extLst>
+          </p:cNvPr>
+          <p:cNvSpPr/>
+          <p:nvPr/>
+        </p:nvSpPr>
+        <p:spPr>
+          <a:xfrm>
+            <a:off x="2812457" y="2468508"/>
+            <a:ext cx="3805397" cy="1445936"/>
+          </a:xfrm>
+          <a:prstGeom prst="rect">
+            <a:avLst/>
+          </a:prstGeom>
+          <a:noFill/>
+          <a:ln w="44450">
+            <a:solidFill>
+              <a:schemeClr val="accent2">
+                <a:alpha val="50000"/>
+              </a:schemeClr>
+            </a:solidFill>
+          </a:ln>
+        </p:spPr>
+        <p:style>
+          <a:lnRef idx="2">
+            <a:schemeClr val="accent2"/>
+          </a:lnRef>
+          <a:fillRef idx="1">
+            <a:schemeClr val="lt1"/>
+          </a:fillRef>
+          <a:effectRef idx="0">
+            <a:schemeClr val="accent2"/>
+          </a:effectRef>
+          <a:fontRef idx="minor">
+            <a:schemeClr val="dk1"/>
+          </a:fontRef>
+        </p:style>
+        <p:txBody>
+          <a:bodyPr rtlCol="0" anchor="ctr"/>
+          <a:lstStyle/>
+          <a:p>
+            <a:pPr algn="ctr"/>
+            <a:endParaRPr kumimoji="1" lang="ja-JP" altLang="en-US"/>
+          </a:p>
+        </p:txBody>
+      </p:sp>
+      <p:sp>
+        <p:nvSpPr>
+          <p:cNvPr id="10" name="テキスト ボックス 9">
+            <a:extLst>
+              <a:ext uri="{FF2B5EF4-FFF2-40B4-BE49-F238E27FC236}">
+                <a16:creationId xmlns:a16="http://schemas.microsoft.com/office/drawing/2014/main" id="{036CE458-B320-B94B-AE78-33E851645D89}"/>
+              </a:ext>
+            </a:extLst>
+          </p:cNvPr>
+          <p:cNvSpPr txBox="1"/>
+          <p:nvPr/>
+        </p:nvSpPr>
+        <p:spPr>
+          <a:xfrm>
+            <a:off x="1747923" y="1973891"/>
+            <a:ext cx="1712722" cy="369332"/>
+          </a:xfrm>
+          <a:prstGeom prst="rect">
+            <a:avLst/>
+          </a:prstGeom>
+          <a:noFill/>
+        </p:spPr>
+        <p:txBody>
+          <a:bodyPr wrap="square" rtlCol="0">
+            <a:spAutoFit/>
+          </a:bodyPr>
+          <a:lstStyle/>
+          <a:p>
+            <a:r>
+              <a:rPr lang="en" altLang="ja-JP" dirty="0"/>
+              <a:t>Provider</a:t>
+            </a:r>
+            <a:endParaRPr kumimoji="1" lang="ja-JP" altLang="en-US" dirty="0"/>
+          </a:p>
+        </p:txBody>
+      </p:sp>
+      <p:sp>
+        <p:nvSpPr>
+          <p:cNvPr id="11" name="テキスト ボックス 10">
+            <a:extLst>
+              <a:ext uri="{FF2B5EF4-FFF2-40B4-BE49-F238E27FC236}">
+                <a16:creationId xmlns:a16="http://schemas.microsoft.com/office/drawing/2014/main" id="{0B831EDD-BE39-134A-9054-480348CE7124}"/>
+              </a:ext>
+            </a:extLst>
+          </p:cNvPr>
+          <p:cNvSpPr txBox="1"/>
+          <p:nvPr/>
+        </p:nvSpPr>
+        <p:spPr>
+          <a:xfrm>
+            <a:off x="1726070" y="4009587"/>
+            <a:ext cx="1308895" cy="369332"/>
+          </a:xfrm>
+          <a:prstGeom prst="rect">
+            <a:avLst/>
+          </a:prstGeom>
+          <a:noFill/>
+        </p:spPr>
+        <p:txBody>
+          <a:bodyPr wrap="square" rtlCol="0">
+            <a:spAutoFit/>
+          </a:bodyPr>
+          <a:lstStyle/>
+          <a:p>
+            <a:r>
+              <a:rPr lang="en-US" altLang="ja-JP" dirty="0"/>
+              <a:t>Requester</a:t>
+            </a:r>
+            <a:endParaRPr kumimoji="1" lang="ja-JP" altLang="en-US" dirty="0"/>
+          </a:p>
+        </p:txBody>
+      </p:sp>
+      <p:sp>
+        <p:nvSpPr>
+          <p:cNvPr id="12" name="下矢印 11">
+            <a:extLst>
+              <a:ext uri="{FF2B5EF4-FFF2-40B4-BE49-F238E27FC236}">
+                <a16:creationId xmlns:a16="http://schemas.microsoft.com/office/drawing/2014/main" id="{0FD12376-1516-634D-9DE3-DDA64ABCB872}"/>
+              </a:ext>
+            </a:extLst>
+          </p:cNvPr>
+          <p:cNvSpPr/>
+          <p:nvPr/>
+        </p:nvSpPr>
+        <p:spPr>
+          <a:xfrm rot="12600000">
+            <a:off x="3447735" y="3567694"/>
+            <a:ext cx="315527" cy="648000"/>
+          </a:xfrm>
+          <a:prstGeom prst="downArrow">
+            <a:avLst/>
+          </a:prstGeom>
+          <a:ln>
+            <a:noFill/>
+          </a:ln>
+        </p:spPr>
+        <p:style>
+          <a:lnRef idx="2">
+            <a:schemeClr val="accent1">
+              <a:shade val="50000"/>
+            </a:schemeClr>
+          </a:lnRef>
+          <a:fillRef idx="1">
+            <a:schemeClr val="accent1"/>
+          </a:fillRef>
+          <a:effectRef idx="0">
+            <a:schemeClr val="accent1"/>
+          </a:effectRef>
+          <a:fontRef idx="minor">
+            <a:schemeClr val="lt1"/>
+          </a:fontRef>
+        </p:style>
+        <p:txBody>
+          <a:bodyPr rtlCol="0" anchor="ctr"/>
+          <a:lstStyle/>
+          <a:p>
+            <a:pPr algn="ctr"/>
+            <a:endParaRPr kumimoji="1" lang="ja-JP" altLang="en-US"/>
+          </a:p>
+        </p:txBody>
+      </p:sp>
+      <p:sp>
+        <p:nvSpPr>
+          <p:cNvPr id="13" name="下矢印 12">
+            <a:extLst>
+              <a:ext uri="{FF2B5EF4-FFF2-40B4-BE49-F238E27FC236}">
+                <a16:creationId xmlns:a16="http://schemas.microsoft.com/office/drawing/2014/main" id="{F36A10CA-7979-C442-9B32-D14537335D4D}"/>
+              </a:ext>
+            </a:extLst>
+          </p:cNvPr>
+          <p:cNvSpPr/>
+          <p:nvPr/>
+        </p:nvSpPr>
+        <p:spPr>
+          <a:xfrm rot="9000000">
+            <a:off x="5805709" y="3493883"/>
+            <a:ext cx="315527" cy="648000"/>
+          </a:xfrm>
+          <a:prstGeom prst="downArrow">
+            <a:avLst/>
+          </a:prstGeom>
+          <a:ln>
+            <a:noFill/>
+          </a:ln>
+        </p:spPr>
+        <p:style>
+          <a:lnRef idx="2">
+            <a:schemeClr val="accent1">
+              <a:shade val="50000"/>
+            </a:schemeClr>
+          </a:lnRef>
+          <a:fillRef idx="1">
+            <a:schemeClr val="accent1"/>
+          </a:fillRef>
+          <a:effectRef idx="0">
+            <a:schemeClr val="accent1"/>
+          </a:effectRef>
+          <a:fontRef idx="minor">
+            <a:schemeClr val="lt1"/>
+          </a:fontRef>
+        </p:style>
+        <p:txBody>
+          <a:bodyPr rtlCol="0" anchor="ctr"/>
+          <a:lstStyle/>
+          <a:p>
+            <a:pPr algn="ctr"/>
+            <a:endParaRPr kumimoji="1" lang="ja-JP" altLang="en-US"/>
+          </a:p>
+        </p:txBody>
+      </p:sp>
+      <p:pic>
+        <p:nvPicPr>
+          <p:cNvPr id="14" name="図 13">
+            <a:extLst>
+              <a:ext uri="{FF2B5EF4-FFF2-40B4-BE49-F238E27FC236}">
+                <a16:creationId xmlns:a16="http://schemas.microsoft.com/office/drawing/2014/main" id="{4D7A8431-DC63-EC4C-B96C-659912D2B08F}"/>
+              </a:ext>
+            </a:extLst>
+          </p:cNvPr>
+          <p:cNvPicPr>
+            <a:picLocks noChangeAspect="1"/>
+          </p:cNvPicPr>
+          <p:nvPr/>
+        </p:nvPicPr>
+        <p:blipFill>
+          <a:blip r:embed="rId2" cstate="print">
+            <a:extLst>
+              <a:ext uri="{28A0092B-C50C-407E-A947-70E740481C1C}">
+                <a14:useLocalDpi xmlns:a14="http://schemas.microsoft.com/office/drawing/2010/main" val="0"/>
+              </a:ext>
+            </a:extLst>
+          </a:blip>
+          <a:stretch>
+            <a:fillRect/>
+          </a:stretch>
+        </p:blipFill>
+        <p:spPr>
+          <a:xfrm>
+            <a:off x="5660902" y="1570514"/>
+            <a:ext cx="765601" cy="765601"/>
+          </a:xfrm>
+          <a:prstGeom prst="rect">
+            <a:avLst/>
+          </a:prstGeom>
+        </p:spPr>
+      </p:pic>
+      <p:sp>
+        <p:nvSpPr>
+          <p:cNvPr id="15" name="下矢印 14">
+            <a:extLst>
+              <a:ext uri="{FF2B5EF4-FFF2-40B4-BE49-F238E27FC236}">
+                <a16:creationId xmlns:a16="http://schemas.microsoft.com/office/drawing/2014/main" id="{AC177447-31B8-F340-A946-BEA2BE17B16B}"/>
+              </a:ext>
+            </a:extLst>
+          </p:cNvPr>
+          <p:cNvSpPr/>
+          <p:nvPr/>
+        </p:nvSpPr>
+        <p:spPr>
+          <a:xfrm rot="-1800000">
+            <a:off x="3314081" y="2323742"/>
+            <a:ext cx="315527" cy="648000"/>
+          </a:xfrm>
+          <a:prstGeom prst="downArrow">
+            <a:avLst/>
+          </a:prstGeom>
+          <a:ln>
+            <a:noFill/>
+          </a:ln>
+        </p:spPr>
+        <p:style>
+          <a:lnRef idx="2">
+            <a:schemeClr val="accent1">
+              <a:shade val="50000"/>
+            </a:schemeClr>
+          </a:lnRef>
+          <a:fillRef idx="1">
+            <a:schemeClr val="accent1"/>
+          </a:fillRef>
+          <a:effectRef idx="0">
+            <a:schemeClr val="accent1"/>
+          </a:effectRef>
+          <a:fontRef idx="minor">
+            <a:schemeClr val="lt1"/>
+          </a:fontRef>
+        </p:style>
+        <p:txBody>
+          <a:bodyPr rtlCol="0" anchor="ctr"/>
+          <a:lstStyle/>
+          <a:p>
+            <a:pPr algn="ctr"/>
+            <a:endParaRPr kumimoji="1" lang="ja-JP" altLang="en-US"/>
+          </a:p>
+        </p:txBody>
+      </p:sp>
+      <p:sp>
+        <p:nvSpPr>
+          <p:cNvPr id="16" name="下矢印 15">
+            <a:extLst>
+              <a:ext uri="{FF2B5EF4-FFF2-40B4-BE49-F238E27FC236}">
+                <a16:creationId xmlns:a16="http://schemas.microsoft.com/office/drawing/2014/main" id="{6752D7F1-A1D0-6D40-97E3-6CD96981B34A}"/>
+              </a:ext>
+            </a:extLst>
+          </p:cNvPr>
+          <p:cNvSpPr/>
+          <p:nvPr/>
+        </p:nvSpPr>
+        <p:spPr>
+          <a:xfrm rot="1800000">
+            <a:off x="5800181" y="2280374"/>
+            <a:ext cx="315527" cy="648000"/>
+          </a:xfrm>
+          <a:prstGeom prst="downArrow">
+            <a:avLst/>
+          </a:prstGeom>
+          <a:ln>
+            <a:noFill/>
+          </a:ln>
+        </p:spPr>
+        <p:style>
+          <a:lnRef idx="2">
+            <a:schemeClr val="accent1">
+              <a:shade val="50000"/>
+            </a:schemeClr>
+          </a:lnRef>
+          <a:fillRef idx="1">
+            <a:schemeClr val="accent1"/>
+          </a:fillRef>
+          <a:effectRef idx="0">
+            <a:schemeClr val="accent1"/>
+          </a:effectRef>
+          <a:fontRef idx="minor">
+            <a:schemeClr val="lt1"/>
+          </a:fontRef>
+        </p:style>
+        <p:txBody>
+          <a:bodyPr rtlCol="0" anchor="ctr"/>
+          <a:lstStyle/>
+          <a:p>
+            <a:pPr algn="ctr"/>
+            <a:endParaRPr kumimoji="1" lang="ja-JP" altLang="en-US"/>
+          </a:p>
+        </p:txBody>
+      </p:sp>
+      <p:pic>
+        <p:nvPicPr>
+          <p:cNvPr id="17" name="図 16">
+            <a:extLst>
+              <a:ext uri="{FF2B5EF4-FFF2-40B4-BE49-F238E27FC236}">
+                <a16:creationId xmlns:a16="http://schemas.microsoft.com/office/drawing/2014/main" id="{52EC16B9-BC32-9544-9C99-B761A8B75BD8}"/>
+              </a:ext>
+            </a:extLst>
+          </p:cNvPr>
+          <p:cNvPicPr>
+            <a:picLocks noChangeAspect="1"/>
+          </p:cNvPicPr>
+          <p:nvPr/>
+        </p:nvPicPr>
+        <p:blipFill>
+          <a:blip r:embed="rId2" cstate="print">
+            <a:extLst>
+              <a:ext uri="{28A0092B-C50C-407E-A947-70E740481C1C}">
+                <a14:useLocalDpi xmlns:a14="http://schemas.microsoft.com/office/drawing/2010/main" val="0"/>
+              </a:ext>
+            </a:extLst>
+          </a:blip>
+          <a:stretch>
+            <a:fillRect/>
+          </a:stretch>
+        </p:blipFill>
+        <p:spPr>
+          <a:xfrm>
+            <a:off x="4262998" y="1570514"/>
+            <a:ext cx="765601" cy="765601"/>
+          </a:xfrm>
+          <a:prstGeom prst="rect">
+            <a:avLst/>
+          </a:prstGeom>
+        </p:spPr>
+      </p:pic>
+      <p:sp>
+        <p:nvSpPr>
+          <p:cNvPr id="18" name="下矢印 17">
+            <a:extLst>
+              <a:ext uri="{FF2B5EF4-FFF2-40B4-BE49-F238E27FC236}">
+                <a16:creationId xmlns:a16="http://schemas.microsoft.com/office/drawing/2014/main" id="{7998FDE2-DB98-B34E-AC82-0C816DA29C81}"/>
+              </a:ext>
+            </a:extLst>
+          </p:cNvPr>
+          <p:cNvSpPr/>
+          <p:nvPr/>
+        </p:nvSpPr>
+        <p:spPr>
+          <a:xfrm>
+            <a:off x="4492937" y="2296231"/>
+            <a:ext cx="315527" cy="648000"/>
+          </a:xfrm>
+          <a:prstGeom prst="downArrow">
+            <a:avLst/>
+          </a:prstGeom>
+          <a:ln>
+            <a:noFill/>
+          </a:ln>
+        </p:spPr>
+        <p:style>
+          <a:lnRef idx="2">
+            <a:schemeClr val="accent1">
+              <a:shade val="50000"/>
+            </a:schemeClr>
+          </a:lnRef>
+          <a:fillRef idx="1">
+            <a:schemeClr val="accent1"/>
+          </a:fillRef>
+          <a:effectRef idx="0">
+            <a:schemeClr val="accent1"/>
+          </a:effectRef>
+          <a:fontRef idx="minor">
+            <a:schemeClr val="lt1"/>
+          </a:fontRef>
+        </p:style>
+        <p:txBody>
+          <a:bodyPr rtlCol="0" anchor="ctr"/>
+          <a:lstStyle/>
+          <a:p>
+            <a:pPr algn="ctr"/>
+            <a:endParaRPr kumimoji="1" lang="ja-JP" altLang="en-US"/>
+          </a:p>
+        </p:txBody>
+      </p:sp>
+      <p:pic>
+        <p:nvPicPr>
+          <p:cNvPr id="19" name="図 18">
+            <a:extLst>
+              <a:ext uri="{FF2B5EF4-FFF2-40B4-BE49-F238E27FC236}">
+                <a16:creationId xmlns:a16="http://schemas.microsoft.com/office/drawing/2014/main" id="{9B8AD3A1-B265-8E43-BFF7-D8832FDB776B}"/>
+              </a:ext>
+            </a:extLst>
+          </p:cNvPr>
+          <p:cNvPicPr>
+            <a:picLocks noChangeAspect="1"/>
+          </p:cNvPicPr>
+          <p:nvPr/>
+        </p:nvPicPr>
+        <p:blipFill>
+          <a:blip r:embed="rId2" cstate="print">
+            <a:extLst>
+              <a:ext uri="{28A0092B-C50C-407E-A947-70E740481C1C}">
+                <a14:useLocalDpi xmlns:a14="http://schemas.microsoft.com/office/drawing/2010/main" val="0"/>
+              </a:ext>
+            </a:extLst>
+          </a:blip>
+          <a:stretch>
+            <a:fillRect/>
+          </a:stretch>
+        </p:blipFill>
+        <p:spPr>
+          <a:xfrm>
+            <a:off x="4262998" y="3944378"/>
+            <a:ext cx="765601" cy="765601"/>
+          </a:xfrm>
+          <a:prstGeom prst="rect">
+            <a:avLst/>
+          </a:prstGeom>
+        </p:spPr>
+      </p:pic>
+      <p:sp>
+        <p:nvSpPr>
+          <p:cNvPr id="20" name="下矢印 19">
+            <a:extLst>
+              <a:ext uri="{FF2B5EF4-FFF2-40B4-BE49-F238E27FC236}">
+                <a16:creationId xmlns:a16="http://schemas.microsoft.com/office/drawing/2014/main" id="{163FCB7D-7319-5545-8163-913518235BB9}"/>
+              </a:ext>
+            </a:extLst>
+          </p:cNvPr>
+          <p:cNvSpPr/>
+          <p:nvPr/>
+        </p:nvSpPr>
+        <p:spPr>
+          <a:xfrm rot="10800000">
+            <a:off x="4517642" y="3510328"/>
+            <a:ext cx="315527" cy="648000"/>
+          </a:xfrm>
+          <a:prstGeom prst="downArrow">
+            <a:avLst/>
+          </a:prstGeom>
+          <a:ln>
+            <a:noFill/>
+          </a:ln>
+        </p:spPr>
+        <p:style>
+          <a:lnRef idx="2">
+            <a:schemeClr val="accent1">
+              <a:shade val="50000"/>
+            </a:schemeClr>
+          </a:lnRef>
+          <a:fillRef idx="1">
+            <a:schemeClr val="accent1"/>
+          </a:fillRef>
+          <a:effectRef idx="0">
+            <a:schemeClr val="accent1"/>
+          </a:effectRef>
+          <a:fontRef idx="minor">
+            <a:schemeClr val="lt1"/>
+          </a:fontRef>
+        </p:style>
+        <p:txBody>
+          <a:bodyPr rtlCol="0" anchor="ctr"/>
+          <a:lstStyle/>
+          <a:p>
+            <a:pPr algn="ctr"/>
+            <a:endParaRPr kumimoji="1" lang="ja-JP" altLang="en-US"/>
+          </a:p>
+        </p:txBody>
+      </p:sp>
+      <p:sp>
+        <p:nvSpPr>
+          <p:cNvPr id="21" name="テキスト ボックス 20">
+            <a:extLst>
+              <a:ext uri="{FF2B5EF4-FFF2-40B4-BE49-F238E27FC236}">
+                <a16:creationId xmlns:a16="http://schemas.microsoft.com/office/drawing/2014/main" id="{64F02753-9194-D74D-BF32-EE3476C96F5B}"/>
+              </a:ext>
+            </a:extLst>
+          </p:cNvPr>
+          <p:cNvSpPr txBox="1"/>
+          <p:nvPr/>
+        </p:nvSpPr>
+        <p:spPr>
+          <a:xfrm>
+            <a:off x="3096968" y="2934110"/>
+            <a:ext cx="3422991" cy="615553"/>
+          </a:xfrm>
+          <a:prstGeom prst="rect">
+            <a:avLst/>
+          </a:prstGeom>
+          <a:noFill/>
+          <a:ln>
+            <a:solidFill>
+              <a:schemeClr val="tx1"/>
+            </a:solidFill>
+          </a:ln>
+        </p:spPr>
+        <p:txBody>
+          <a:bodyPr wrap="square" rtlCol="0">
+            <a:spAutoFit/>
+          </a:bodyPr>
+          <a:lstStyle/>
+          <a:p>
+            <a:pPr algn="ctr"/>
+            <a:r>
+              <a:rPr lang="en-US" altLang="ja-JP" dirty="0"/>
+              <a:t>Auctioneer</a:t>
+            </a:r>
+            <a:endParaRPr lang="en" altLang="ja-JP" dirty="0"/>
+          </a:p>
+          <a:p>
+            <a:pPr algn="ctr"/>
+            <a:r>
+              <a:rPr lang="en" altLang="ja-JP" sz="1600" dirty="0"/>
+              <a:t>(</a:t>
+            </a:r>
+            <a:r>
+              <a:rPr lang="en-US" altLang="ja-JP" sz="1600" dirty="0"/>
+              <a:t>Decide resource allocation</a:t>
+            </a:r>
+            <a:r>
+              <a:rPr lang="en" altLang="ja-JP" sz="1600" dirty="0"/>
+              <a:t>)</a:t>
+            </a:r>
+            <a:endParaRPr lang="ja-JP" altLang="en-US" sz="1600" dirty="0"/>
+          </a:p>
+        </p:txBody>
+      </p:sp>
+      <p:sp>
+        <p:nvSpPr>
+          <p:cNvPr id="22" name="テキスト ボックス 21">
+            <a:extLst>
+              <a:ext uri="{FF2B5EF4-FFF2-40B4-BE49-F238E27FC236}">
+                <a16:creationId xmlns:a16="http://schemas.microsoft.com/office/drawing/2014/main" id="{D6ABF573-191E-1542-8A16-010902EF3B0C}"/>
+              </a:ext>
+            </a:extLst>
+          </p:cNvPr>
+          <p:cNvSpPr txBox="1"/>
+          <p:nvPr/>
+        </p:nvSpPr>
+        <p:spPr>
+          <a:xfrm>
+            <a:off x="3603331" y="2349226"/>
+            <a:ext cx="2130962" cy="338554"/>
+          </a:xfrm>
+          <a:prstGeom prst="rect">
+            <a:avLst/>
+          </a:prstGeom>
+          <a:ln/>
+        </p:spPr>
+        <p:style>
+          <a:lnRef idx="2">
+            <a:schemeClr val="dk1"/>
+          </a:lnRef>
+          <a:fillRef idx="1">
+            <a:schemeClr val="lt1"/>
+          </a:fillRef>
+          <a:effectRef idx="0">
+            <a:schemeClr val="dk1"/>
+          </a:effectRef>
+          <a:fontRef idx="minor">
+            <a:schemeClr val="dk1"/>
+          </a:fontRef>
+        </p:style>
+        <p:txBody>
+          <a:bodyPr wrap="square" rtlCol="0">
+            <a:spAutoFit/>
+          </a:bodyPr>
+          <a:lstStyle/>
+          <a:p>
+            <a:pPr algn="ctr"/>
+            <a:r>
+              <a:rPr lang="en-US" altLang="ja-JP" sz="1600" dirty="0"/>
+              <a:t>Provider resource</a:t>
+            </a:r>
+            <a:endParaRPr kumimoji="1" lang="ja-JP" altLang="en-US" sz="1600" dirty="0"/>
+          </a:p>
+        </p:txBody>
+      </p:sp>
+      <p:sp>
+        <p:nvSpPr>
+          <p:cNvPr id="23" name="テキスト ボックス 22">
+            <a:extLst>
+              <a:ext uri="{FF2B5EF4-FFF2-40B4-BE49-F238E27FC236}">
+                <a16:creationId xmlns:a16="http://schemas.microsoft.com/office/drawing/2014/main" id="{DB2DFBDE-FF1E-0949-9D65-E311D4CD0674}"/>
+              </a:ext>
+            </a:extLst>
+          </p:cNvPr>
+          <p:cNvSpPr txBox="1"/>
+          <p:nvPr/>
+        </p:nvSpPr>
+        <p:spPr>
+          <a:xfrm>
+            <a:off x="3603331" y="3706484"/>
+            <a:ext cx="2130962" cy="338554"/>
+          </a:xfrm>
+          <a:prstGeom prst="rect">
+            <a:avLst/>
+          </a:prstGeom>
+          <a:ln/>
+        </p:spPr>
+        <p:style>
+          <a:lnRef idx="2">
+            <a:schemeClr val="dk1"/>
+          </a:lnRef>
+          <a:fillRef idx="1">
+            <a:schemeClr val="lt1"/>
+          </a:fillRef>
+          <a:effectRef idx="0">
+            <a:schemeClr val="dk1"/>
+          </a:effectRef>
+          <a:fontRef idx="minor">
+            <a:schemeClr val="dk1"/>
+          </a:fontRef>
+        </p:style>
+        <p:txBody>
+          <a:bodyPr wrap="square" rtlCol="0">
+            <a:spAutoFit/>
+          </a:bodyPr>
+          <a:lstStyle/>
+          <a:p>
+            <a:pPr algn="ctr"/>
+            <a:r>
+              <a:rPr lang="en-US" altLang="ja-JP" sz="1600" dirty="0"/>
+              <a:t>Request resource</a:t>
+            </a:r>
+            <a:endParaRPr lang="ja-JP" altLang="en-US" sz="1600"/>
+          </a:p>
+        </p:txBody>
+      </p:sp>
+      <p:sp>
+        <p:nvSpPr>
+          <p:cNvPr id="24" name="角丸四角形 23">
+            <a:extLst>
+              <a:ext uri="{FF2B5EF4-FFF2-40B4-BE49-F238E27FC236}">
+                <a16:creationId xmlns:a16="http://schemas.microsoft.com/office/drawing/2014/main" id="{4EEDFEE7-7D2E-3B40-8CA6-F093CDA4ECC5}"/>
+              </a:ext>
+            </a:extLst>
+          </p:cNvPr>
+          <p:cNvSpPr/>
+          <p:nvPr/>
+        </p:nvSpPr>
+        <p:spPr>
+          <a:xfrm>
+            <a:off x="1726070" y="1570514"/>
+            <a:ext cx="5984644" cy="3225777"/>
+          </a:xfrm>
+          <a:prstGeom prst="roundRect">
+            <a:avLst/>
+          </a:prstGeom>
+          <a:noFill/>
+          <a:ln w="9525" cap="flat" cmpd="sng" algn="ctr">
+            <a:solidFill>
+              <a:schemeClr val="dk1"/>
+            </a:solidFill>
+            <a:prstDash val="solid"/>
+            <a:round/>
+            <a:headEnd type="none" w="med" len="med"/>
+            <a:tailEnd type="none" w="med" len="med"/>
+          </a:ln>
+        </p:spPr>
+        <p:style>
+          <a:lnRef idx="0">
+            <a:scrgbClr r="0" g="0" b="0"/>
+          </a:lnRef>
+          <a:fillRef idx="0">
+            <a:scrgbClr r="0" g="0" b="0"/>
+          </a:fillRef>
+          <a:effectRef idx="0">
+            <a:scrgbClr r="0" g="0" b="0"/>
+          </a:effectRef>
+          <a:fontRef idx="minor">
+            <a:schemeClr val="dk1"/>
+          </a:fontRef>
+        </p:style>
+        <p:txBody>
+          <a:bodyPr rtlCol="0" anchor="ctr"/>
+          <a:lstStyle/>
+          <a:p>
+            <a:pPr algn="ctr"/>
+            <a:endParaRPr kumimoji="1" lang="ja-JP" altLang="en-US"/>
+          </a:p>
+        </p:txBody>
+      </p:sp>
+      <p:sp>
+        <p:nvSpPr>
+          <p:cNvPr id="25" name="テキスト ボックス 24">
+            <a:extLst>
+              <a:ext uri="{FF2B5EF4-FFF2-40B4-BE49-F238E27FC236}">
+                <a16:creationId xmlns:a16="http://schemas.microsoft.com/office/drawing/2014/main" id="{E5BAFBAB-DB71-E84F-A963-3CCC6354F129}"/>
+              </a:ext>
+            </a:extLst>
+          </p:cNvPr>
+          <p:cNvSpPr txBox="1"/>
+          <p:nvPr/>
+        </p:nvSpPr>
+        <p:spPr>
+          <a:xfrm>
+            <a:off x="2707022" y="1222638"/>
+            <a:ext cx="4202882" cy="369332"/>
+          </a:xfrm>
+          <a:prstGeom prst="rect">
+            <a:avLst/>
+          </a:prstGeom>
+          <a:noFill/>
+        </p:spPr>
+        <p:txBody>
+          <a:bodyPr wrap="none" rtlCol="0">
+            <a:spAutoFit/>
+          </a:bodyPr>
+          <a:lstStyle/>
+          <a:p>
+            <a:r>
+              <a:rPr lang="en-US" altLang="ja-JP" dirty="0"/>
+              <a:t>Crowdsourced Manufacturing System</a:t>
+            </a:r>
+            <a:endParaRPr kumimoji="1" lang="ja-JP" altLang="en-US"/>
+          </a:p>
+        </p:txBody>
+      </p:sp>
+      <p:sp>
+        <p:nvSpPr>
+          <p:cNvPr id="26" name="テキスト ボックス 25">
+            <a:extLst>
+              <a:ext uri="{FF2B5EF4-FFF2-40B4-BE49-F238E27FC236}">
+                <a16:creationId xmlns:a16="http://schemas.microsoft.com/office/drawing/2014/main" id="{5D72674C-EA4C-9E49-B5FC-8A6A69409B86}"/>
+              </a:ext>
+            </a:extLst>
+          </p:cNvPr>
+          <p:cNvSpPr txBox="1"/>
+          <p:nvPr/>
+        </p:nvSpPr>
+        <p:spPr>
+          <a:xfrm>
+            <a:off x="1532394" y="4351160"/>
+            <a:ext cx="1620957" cy="338554"/>
+          </a:xfrm>
+          <a:prstGeom prst="rect">
+            <a:avLst/>
+          </a:prstGeom>
+        </p:spPr>
+        <p:style>
+          <a:lnRef idx="2">
+            <a:schemeClr val="accent2"/>
+          </a:lnRef>
+          <a:fillRef idx="1">
+            <a:schemeClr val="lt1"/>
+          </a:fillRef>
+          <a:effectRef idx="0">
+            <a:schemeClr val="accent2"/>
+          </a:effectRef>
+          <a:fontRef idx="minor">
+            <a:schemeClr val="dk1"/>
+          </a:fontRef>
+        </p:style>
+        <p:txBody>
+          <a:bodyPr wrap="none" rtlCol="0">
+            <a:spAutoFit/>
+          </a:bodyPr>
+          <a:lstStyle/>
+          <a:p>
+            <a:pPr algn="l"/>
+            <a:r>
+              <a:rPr kumimoji="1" lang="ja-JP" altLang="en-US" sz="1600">
+                <a:solidFill>
+                  <a:schemeClr val="accent2"/>
+                </a:solidFill>
+              </a:rPr>
+              <a:t>リソース要求側</a:t>
+            </a:r>
+            <a:endParaRPr kumimoji="1" lang="ja-JP" altLang="en-US" sz="1600" dirty="0">
+              <a:solidFill>
+                <a:schemeClr val="accent2"/>
+              </a:solidFill>
+            </a:endParaRPr>
+          </a:p>
+        </p:txBody>
+      </p:sp>
+      <p:sp>
+        <p:nvSpPr>
+          <p:cNvPr id="27" name="テキスト ボックス 26">
+            <a:extLst>
+              <a:ext uri="{FF2B5EF4-FFF2-40B4-BE49-F238E27FC236}">
+                <a16:creationId xmlns:a16="http://schemas.microsoft.com/office/drawing/2014/main" id="{43FE9EC3-B390-3649-9C19-BDA60868544F}"/>
+              </a:ext>
+            </a:extLst>
+          </p:cNvPr>
+          <p:cNvSpPr txBox="1"/>
+          <p:nvPr/>
+        </p:nvSpPr>
+        <p:spPr>
+          <a:xfrm>
+            <a:off x="6270398" y="2444874"/>
+            <a:ext cx="1620957" cy="338554"/>
+          </a:xfrm>
+          <a:prstGeom prst="rect">
+            <a:avLst/>
+          </a:prstGeom>
+        </p:spPr>
+        <p:style>
+          <a:lnRef idx="2">
+            <a:schemeClr val="accent2"/>
+          </a:lnRef>
+          <a:fillRef idx="1">
+            <a:schemeClr val="lt1"/>
+          </a:fillRef>
+          <a:effectRef idx="0">
+            <a:schemeClr val="accent2"/>
+          </a:effectRef>
+          <a:fontRef idx="minor">
+            <a:schemeClr val="dk1"/>
+          </a:fontRef>
+        </p:style>
+        <p:txBody>
+          <a:bodyPr wrap="none" rtlCol="0">
+            <a:spAutoFit/>
+          </a:bodyPr>
+          <a:lstStyle/>
+          <a:p>
+            <a:pPr algn="l"/>
+            <a:r>
+              <a:rPr kumimoji="1" lang="ja-JP" altLang="en-US" sz="1600">
+                <a:solidFill>
+                  <a:schemeClr val="accent2"/>
+                </a:solidFill>
+              </a:rPr>
+              <a:t>リソース提供側</a:t>
+            </a:r>
+            <a:endParaRPr kumimoji="1" lang="ja-JP" altLang="en-US" sz="1600" dirty="0">
+              <a:solidFill>
+                <a:schemeClr val="accent2"/>
+              </a:solidFill>
+            </a:endParaRPr>
+          </a:p>
+        </p:txBody>
+      </p:sp>
+      <p:sp>
+        <p:nvSpPr>
+          <p:cNvPr id="28" name="角丸四角形吹き出し 27">
+            <a:extLst>
+              <a:ext uri="{FF2B5EF4-FFF2-40B4-BE49-F238E27FC236}">
+                <a16:creationId xmlns:a16="http://schemas.microsoft.com/office/drawing/2014/main" id="{6BBE6A21-1ACF-BD44-B8B4-64BF30FB6202}"/>
+              </a:ext>
+            </a:extLst>
+          </p:cNvPr>
+          <p:cNvSpPr/>
+          <p:nvPr/>
+        </p:nvSpPr>
+        <p:spPr>
+          <a:xfrm>
+            <a:off x="145039" y="5025196"/>
+            <a:ext cx="4883560" cy="434637"/>
+          </a:xfrm>
+          <a:prstGeom prst="wedgeRoundRectCallout">
+            <a:avLst>
+              <a:gd name="adj1" fmla="val -13502"/>
+              <a:gd name="adj2" fmla="val -99970"/>
+              <a:gd name="adj3" fmla="val 16667"/>
+            </a:avLst>
+          </a:prstGeom>
+        </p:spPr>
+        <p:style>
+          <a:lnRef idx="2">
+            <a:schemeClr val="accent1"/>
+          </a:lnRef>
+          <a:fillRef idx="1">
+            <a:schemeClr val="lt1"/>
+          </a:fillRef>
+          <a:effectRef idx="0">
+            <a:schemeClr val="accent1"/>
+          </a:effectRef>
+          <a:fontRef idx="minor">
+            <a:schemeClr val="dk1"/>
+          </a:fontRef>
+        </p:style>
+        <p:txBody>
+          <a:bodyPr rtlCol="0" anchor="ctr"/>
+          <a:lstStyle/>
+          <a:p>
+            <a:pPr algn="ctr"/>
+            <a:r>
+              <a:rPr kumimoji="1" lang="en-US" altLang="ja-JP" dirty="0"/>
+              <a:t>Bid  require resource time and budget</a:t>
+            </a:r>
+            <a:endParaRPr kumimoji="1" lang="ja-JP" altLang="en-US"/>
+          </a:p>
+        </p:txBody>
+      </p:sp>
+    </p:spTree>
+    <p:extLst>
+      <p:ext uri="{BB962C8B-B14F-4D97-AF65-F5344CB8AC3E}">
+        <p14:creationId xmlns:p14="http://schemas.microsoft.com/office/powerpoint/2010/main" val="2710317010"/>
+      </p:ext>
+    </p:extLst>
+  </p:cSld>
+  <p:clrMapOvr>
+    <a:masterClrMapping/>
+  </p:clrMapOvr>
+</p:sld>
+</file>
+
 <file path=ppt/theme/theme1.xml><?xml version="1.0" encoding="utf-8"?>
 <a:theme xmlns:a="http://schemas.openxmlformats.org/drawingml/2006/main" name="MyTheme">
   <a:themeElements>

--- a/Paper/master-thesis/src/img/修論用の図.pptx
+++ b/Paper/master-thesis/src/img/修論用の図.pptx
@@ -114,7 +114,7 @@
   <p:extLst>
     <p:ext uri="{EFAFB233-063F-42B5-8137-9DF3F51BA10A}">
       <p15:sldGuideLst xmlns:p15="http://schemas.microsoft.com/office/powerpoint/2012/main">
-        <p15:guide id="1" orient="horz" pos="2160">
+        <p15:guide id="1" orient="horz" pos="2137" userDrawn="1">
           <p15:clr>
             <a:srgbClr val="A4A3A4"/>
           </p15:clr>
@@ -4600,9 +4600,9 @@
         <p:grpSpPr>
           <a:xfrm>
             <a:off x="2111926" y="1535023"/>
-            <a:ext cx="3467945" cy="1178475"/>
+            <a:ext cx="3467945" cy="1107080"/>
             <a:chOff x="2982783" y="2569165"/>
-            <a:chExt cx="3467945" cy="1178475"/>
+            <a:chExt cx="3467945" cy="1107080"/>
           </a:xfrm>
         </p:grpSpPr>
         <p:pic>
@@ -4694,13 +4694,13 @@
             <p:nvPr/>
           </p:nvCxnSpPr>
           <p:spPr>
-            <a:xfrm rot="5400000" flipH="1" flipV="1">
-              <a:off x="4677883" y="2459351"/>
-              <a:ext cx="77745" cy="2498834"/>
+            <a:xfrm rot="16200000" flipH="1">
+              <a:off x="4716756" y="2420478"/>
+              <a:ext cx="12700" cy="2498834"/>
             </a:xfrm>
             <a:prstGeom prst="bentConnector3">
               <a:avLst>
-                <a:gd name="adj1" fmla="val -294038"/>
+                <a:gd name="adj1" fmla="val 1800000"/>
               </a:avLst>
             </a:prstGeom>
             <a:ln w="22225">
@@ -4736,7 +4736,7 @@
           </p:nvSpPr>
           <p:spPr>
             <a:xfrm>
-              <a:off x="2982783" y="3378308"/>
+              <a:off x="2982783" y="3300563"/>
               <a:ext cx="969111" cy="369332"/>
             </a:xfrm>
             <a:prstGeom prst="rect">
@@ -4795,38 +4795,6 @@
           </p:txBody>
         </p:sp>
       </p:grpSp>
-      <p:sp>
-        <p:nvSpPr>
-          <p:cNvPr id="20" name="テキスト ボックス 19">
-            <a:extLst>
-              <a:ext uri="{FF2B5EF4-FFF2-40B4-BE49-F238E27FC236}">
-                <a16:creationId xmlns:a16="http://schemas.microsoft.com/office/drawing/2014/main" id="{34F759E6-05B3-7B4C-84C8-F5C7554D49D6}"/>
-              </a:ext>
-            </a:extLst>
-          </p:cNvPr>
-          <p:cNvSpPr txBox="1"/>
-          <p:nvPr/>
-        </p:nvSpPr>
-        <p:spPr>
-          <a:xfrm>
-            <a:off x="7010400" y="2253343"/>
-            <a:ext cx="184731" cy="369332"/>
-          </a:xfrm>
-          <a:prstGeom prst="rect">
-            <a:avLst/>
-          </a:prstGeom>
-          <a:noFill/>
-        </p:spPr>
-        <p:txBody>
-          <a:bodyPr wrap="square" rtlCol="0">
-            <a:spAutoFit/>
-          </a:bodyPr>
-          <a:lstStyle/>
-          <a:p>
-            <a:endParaRPr kumimoji="1" lang="ja-JP" altLang="en-US"/>
-          </a:p>
-        </p:txBody>
-      </p:sp>
       <p:pic>
         <p:nvPicPr>
           <p:cNvPr id="23" name="図 22">
@@ -4855,7 +4823,7 @@
         </p:blipFill>
         <p:spPr>
           <a:xfrm>
-            <a:off x="4741772" y="3851013"/>
+            <a:off x="4329716" y="4054137"/>
             <a:ext cx="765601" cy="765601"/>
           </a:xfrm>
           <a:prstGeom prst="rect">
@@ -4891,7 +4859,7 @@
         </p:blipFill>
         <p:spPr>
           <a:xfrm>
-            <a:off x="5056658" y="4223815"/>
+            <a:off x="4644602" y="4426939"/>
             <a:ext cx="765601" cy="765601"/>
           </a:xfrm>
           <a:prstGeom prst="rect">
@@ -4927,7 +4895,7 @@
         </p:blipFill>
         <p:spPr>
           <a:xfrm>
-            <a:off x="4741772" y="4967643"/>
+            <a:off x="4329716" y="5170767"/>
             <a:ext cx="765601" cy="765601"/>
           </a:xfrm>
           <a:prstGeom prst="rect">
@@ -4963,7 +4931,7 @@
         </p:blipFill>
         <p:spPr>
           <a:xfrm>
-            <a:off x="4291057" y="4529223"/>
+            <a:off x="3879001" y="4732347"/>
             <a:ext cx="765601" cy="765601"/>
           </a:xfrm>
           <a:prstGeom prst="rect">
@@ -4999,7 +4967,7 @@
         </p:blipFill>
         <p:spPr>
           <a:xfrm>
-            <a:off x="3926528" y="4088047"/>
+            <a:off x="3514472" y="4291171"/>
             <a:ext cx="765601" cy="765601"/>
           </a:xfrm>
           <a:prstGeom prst="rect">
@@ -5035,7 +5003,7 @@
         </p:blipFill>
         <p:spPr>
           <a:xfrm>
-            <a:off x="5457730" y="4595729"/>
+            <a:off x="5045674" y="4798853"/>
             <a:ext cx="765601" cy="765601"/>
           </a:xfrm>
           <a:prstGeom prst="rect">
@@ -5071,7 +5039,7 @@
         </p:blipFill>
         <p:spPr>
           <a:xfrm>
-            <a:off x="1830881" y="4552837"/>
+            <a:off x="1418825" y="4755961"/>
             <a:ext cx="765601" cy="765601"/>
           </a:xfrm>
           <a:prstGeom prst="rect">
@@ -5093,8 +5061,8 @@
         </p:nvSpPr>
         <p:spPr>
           <a:xfrm>
-            <a:off x="3544293" y="3928759"/>
-            <a:ext cx="3160557" cy="1797909"/>
+            <a:off x="3132237" y="4054137"/>
+            <a:ext cx="3160557" cy="1875655"/>
           </a:xfrm>
           <a:prstGeom prst="ellipse">
             <a:avLst/>
@@ -5145,19 +5113,16 @@
           <p:cNvCxnSpPr>
             <a:cxnSpLocks/>
             <a:stCxn id="29" idx="0"/>
-            <a:endCxn id="30" idx="0"/>
           </p:cNvCxnSpPr>
           <p:nvPr/>
         </p:nvCxnSpPr>
         <p:spPr>
           <a:xfrm rot="5400000" flipH="1" flipV="1">
-            <a:off x="3357088" y="2785353"/>
-            <a:ext cx="624078" cy="2910890"/>
-          </a:xfrm>
-          <a:prstGeom prst="bentConnector3">
-            <a:avLst>
-              <a:gd name="adj1" fmla="val 136630"/>
-            </a:avLst>
+            <a:off x="2527203" y="3565594"/>
+            <a:ext cx="464790" cy="1915944"/>
+          </a:xfrm>
+          <a:prstGeom prst="bentConnector2">
+            <a:avLst/>
           </a:prstGeom>
           <a:ln w="19050">
             <a:solidFill>
@@ -5195,7 +5160,7 @@
         </p:nvSpPr>
         <p:spPr>
           <a:xfrm>
-            <a:off x="3441995" y="5687608"/>
+            <a:off x="3156065" y="5869713"/>
             <a:ext cx="3365152" cy="369332"/>
           </a:xfrm>
           <a:prstGeom prst="rect">
@@ -5231,7 +5196,7 @@
         </p:nvSpPr>
         <p:spPr>
           <a:xfrm>
-            <a:off x="1746268" y="5259267"/>
+            <a:off x="1334212" y="5462391"/>
             <a:ext cx="969111" cy="369332"/>
           </a:xfrm>
           <a:prstGeom prst="rect">
@@ -5248,6 +5213,293 @@
             <a:r>
               <a:rPr kumimoji="1" lang="en-US" altLang="ja-JP" dirty="0"/>
               <a:t>Factory</a:t>
+            </a:r>
+            <a:endParaRPr kumimoji="1" lang="ja-JP" altLang="en-US"/>
+          </a:p>
+        </p:txBody>
+      </p:sp>
+      <p:sp>
+        <p:nvSpPr>
+          <p:cNvPr id="5" name="正方形/長方形 4">
+            <a:extLst>
+              <a:ext uri="{FF2B5EF4-FFF2-40B4-BE49-F238E27FC236}">
+                <a16:creationId xmlns:a16="http://schemas.microsoft.com/office/drawing/2014/main" id="{05CAE0E6-A6DC-8E4E-AB5C-33423D3A402D}"/>
+              </a:ext>
+            </a:extLst>
+          </p:cNvPr>
+          <p:cNvSpPr/>
+          <p:nvPr/>
+        </p:nvSpPr>
+        <p:spPr>
+          <a:xfrm>
+            <a:off x="2962498" y="2753151"/>
+            <a:ext cx="1928059" cy="326279"/>
+          </a:xfrm>
+          <a:prstGeom prst="rect">
+            <a:avLst/>
+          </a:prstGeom>
+          <a:ln w="19050"/>
+        </p:spPr>
+        <p:style>
+          <a:lnRef idx="2">
+            <a:schemeClr val="accent1"/>
+          </a:lnRef>
+          <a:fillRef idx="1">
+            <a:schemeClr val="lt1"/>
+          </a:fillRef>
+          <a:effectRef idx="0">
+            <a:schemeClr val="accent1"/>
+          </a:effectRef>
+          <a:fontRef idx="minor">
+            <a:schemeClr val="dk1"/>
+          </a:fontRef>
+        </p:style>
+        <p:txBody>
+          <a:bodyPr rtlCol="0" anchor="ctr"/>
+          <a:lstStyle/>
+          <a:p>
+            <a:pPr algn="ctr"/>
+            <a:r>
+              <a:rPr kumimoji="1" lang="en-US" altLang="ja-JP" sz="1600" dirty="0"/>
+              <a:t>consign process</a:t>
+            </a:r>
+            <a:endParaRPr kumimoji="1" lang="ja-JP" altLang="en-US" sz="1600"/>
+          </a:p>
+        </p:txBody>
+      </p:sp>
+      <p:sp>
+        <p:nvSpPr>
+          <p:cNvPr id="6" name="角丸四角形吹き出し 5">
+            <a:extLst>
+              <a:ext uri="{FF2B5EF4-FFF2-40B4-BE49-F238E27FC236}">
+                <a16:creationId xmlns:a16="http://schemas.microsoft.com/office/drawing/2014/main" id="{0DBFE49D-AA05-1444-84D2-C82E1DB815C6}"/>
+              </a:ext>
+            </a:extLst>
+          </p:cNvPr>
+          <p:cNvSpPr/>
+          <p:nvPr/>
+        </p:nvSpPr>
+        <p:spPr>
+          <a:xfrm>
+            <a:off x="767255" y="1234212"/>
+            <a:ext cx="1829226" cy="509678"/>
+          </a:xfrm>
+          <a:prstGeom prst="wedgeRoundRectCallout">
+            <a:avLst>
+              <a:gd name="adj1" fmla="val 42148"/>
+              <a:gd name="adj2" fmla="val 90020"/>
+              <a:gd name="adj3" fmla="val 16667"/>
+            </a:avLst>
+          </a:prstGeom>
+          <a:ln w="19050"/>
+        </p:spPr>
+        <p:style>
+          <a:lnRef idx="2">
+            <a:schemeClr val="accent1"/>
+          </a:lnRef>
+          <a:fillRef idx="1">
+            <a:schemeClr val="lt1"/>
+          </a:fillRef>
+          <a:effectRef idx="0">
+            <a:schemeClr val="accent1"/>
+          </a:effectRef>
+          <a:fontRef idx="minor">
+            <a:schemeClr val="dk1"/>
+          </a:fontRef>
+        </p:style>
+        <p:txBody>
+          <a:bodyPr rtlCol="0" anchor="ctr"/>
+          <a:lstStyle/>
+          <a:p>
+            <a:pPr algn="ctr"/>
+            <a:r>
+              <a:rPr lang="en" altLang="ja-JP" sz="1400" dirty="0"/>
+              <a:t>correspond</a:t>
+            </a:r>
+            <a:br>
+              <a:rPr lang="en" altLang="ja-JP" sz="1400" dirty="0"/>
+            </a:br>
+            <a:r>
+              <a:rPr lang="en" altLang="ja-JP" sz="1400" dirty="0"/>
+              <a:t> resource shortage</a:t>
+            </a:r>
+            <a:endParaRPr kumimoji="1" lang="ja-JP" altLang="en-US" sz="1400"/>
+          </a:p>
+        </p:txBody>
+      </p:sp>
+      <p:sp>
+        <p:nvSpPr>
+          <p:cNvPr id="31" name="角丸四角形吹き出し 30">
+            <a:extLst>
+              <a:ext uri="{FF2B5EF4-FFF2-40B4-BE49-F238E27FC236}">
+                <a16:creationId xmlns:a16="http://schemas.microsoft.com/office/drawing/2014/main" id="{12E785BF-81C5-1E49-8C86-115F6970D7BC}"/>
+              </a:ext>
+            </a:extLst>
+          </p:cNvPr>
+          <p:cNvSpPr/>
+          <p:nvPr/>
+        </p:nvSpPr>
+        <p:spPr>
+          <a:xfrm>
+            <a:off x="5434204" y="1229615"/>
+            <a:ext cx="1829226" cy="369332"/>
+          </a:xfrm>
+          <a:prstGeom prst="wedgeRoundRectCallout">
+            <a:avLst>
+              <a:gd name="adj1" fmla="val -50359"/>
+              <a:gd name="adj2" fmla="val 100331"/>
+              <a:gd name="adj3" fmla="val 16667"/>
+            </a:avLst>
+          </a:prstGeom>
+          <a:ln w="19050"/>
+        </p:spPr>
+        <p:style>
+          <a:lnRef idx="2">
+            <a:schemeClr val="accent1"/>
+          </a:lnRef>
+          <a:fillRef idx="1">
+            <a:schemeClr val="lt1"/>
+          </a:fillRef>
+          <a:effectRef idx="0">
+            <a:schemeClr val="accent1"/>
+          </a:effectRef>
+          <a:fontRef idx="minor">
+            <a:schemeClr val="dk1"/>
+          </a:fontRef>
+        </p:style>
+        <p:txBody>
+          <a:bodyPr rtlCol="0" anchor="ctr"/>
+          <a:lstStyle/>
+          <a:p>
+            <a:pPr algn="ctr"/>
+            <a:r>
+              <a:rPr kumimoji="1" lang="en" altLang="ja-JP" sz="1400" dirty="0"/>
+              <a:t>i</a:t>
+            </a:r>
+            <a:r>
+              <a:rPr lang="en" altLang="ja-JP" sz="1400" dirty="0"/>
+              <a:t>mprove availability</a:t>
+            </a:r>
+            <a:endParaRPr kumimoji="1" lang="ja-JP" altLang="en-US" sz="1400"/>
+          </a:p>
+        </p:txBody>
+      </p:sp>
+      <p:sp>
+        <p:nvSpPr>
+          <p:cNvPr id="10" name="角丸四角形吹き出し 9">
+            <a:extLst>
+              <a:ext uri="{FF2B5EF4-FFF2-40B4-BE49-F238E27FC236}">
+                <a16:creationId xmlns:a16="http://schemas.microsoft.com/office/drawing/2014/main" id="{A8882D87-732E-AC49-B4F0-524D6F4C2A6C}"/>
+              </a:ext>
+            </a:extLst>
+          </p:cNvPr>
+          <p:cNvSpPr/>
+          <p:nvPr/>
+        </p:nvSpPr>
+        <p:spPr>
+          <a:xfrm>
+            <a:off x="5587472" y="3915534"/>
+            <a:ext cx="2815567" cy="561282"/>
+          </a:xfrm>
+          <a:prstGeom prst="wedgeRoundRectCallout">
+            <a:avLst>
+              <a:gd name="adj1" fmla="val -43654"/>
+              <a:gd name="adj2" fmla="val 94331"/>
+              <a:gd name="adj3" fmla="val 16667"/>
+            </a:avLst>
+          </a:prstGeom>
+          <a:ln w="19050"/>
+        </p:spPr>
+        <p:style>
+          <a:lnRef idx="2">
+            <a:schemeClr val="accent1"/>
+          </a:lnRef>
+          <a:fillRef idx="1">
+            <a:schemeClr val="lt1"/>
+          </a:fillRef>
+          <a:effectRef idx="0">
+            <a:schemeClr val="accent1"/>
+          </a:effectRef>
+          <a:fontRef idx="minor">
+            <a:schemeClr val="dk1"/>
+          </a:fontRef>
+        </p:style>
+        <p:txBody>
+          <a:bodyPr rtlCol="0" anchor="ctr"/>
+          <a:lstStyle/>
+          <a:p>
+            <a:pPr algn="ctr"/>
+            <a:r>
+              <a:rPr kumimoji="1" lang="en-US" altLang="ja-JP" sz="1600"/>
+              <a:t>share </a:t>
+            </a:r>
+            <a:endParaRPr kumimoji="1" lang="en-US" altLang="ja-JP" sz="1600" dirty="0"/>
+          </a:p>
+          <a:p>
+            <a:pPr algn="ctr"/>
+            <a:r>
+              <a:rPr kumimoji="1" lang="en-US" altLang="ja-JP" sz="1600" dirty="0"/>
+              <a:t>resource information</a:t>
+            </a:r>
+            <a:endParaRPr kumimoji="1" lang="ja-JP" altLang="en-US"/>
+          </a:p>
+        </p:txBody>
+      </p:sp>
+      <p:sp>
+        <p:nvSpPr>
+          <p:cNvPr id="35" name="角丸四角形吹き出し 34">
+            <a:extLst>
+              <a:ext uri="{FF2B5EF4-FFF2-40B4-BE49-F238E27FC236}">
+                <a16:creationId xmlns:a16="http://schemas.microsoft.com/office/drawing/2014/main" id="{6D838A18-80C6-374A-9FA9-3346A141A85C}"/>
+              </a:ext>
+            </a:extLst>
+          </p:cNvPr>
+          <p:cNvSpPr/>
+          <p:nvPr/>
+        </p:nvSpPr>
+        <p:spPr>
+          <a:xfrm>
+            <a:off x="1385032" y="3588123"/>
+            <a:ext cx="2021368" cy="517637"/>
+          </a:xfrm>
+          <a:prstGeom prst="wedgeRoundRectCallout">
+            <a:avLst>
+              <a:gd name="adj1" fmla="val -6730"/>
+              <a:gd name="adj2" fmla="val 101032"/>
+              <a:gd name="adj3" fmla="val 16667"/>
+            </a:avLst>
+          </a:prstGeom>
+          <a:ln w="19050"/>
+        </p:spPr>
+        <p:style>
+          <a:lnRef idx="2">
+            <a:schemeClr val="accent1"/>
+          </a:lnRef>
+          <a:fillRef idx="1">
+            <a:schemeClr val="lt1"/>
+          </a:fillRef>
+          <a:effectRef idx="0">
+            <a:schemeClr val="accent1"/>
+          </a:effectRef>
+          <a:fontRef idx="minor">
+            <a:schemeClr val="dk1"/>
+          </a:fontRef>
+        </p:style>
+        <p:txBody>
+          <a:bodyPr rtlCol="0" anchor="ctr"/>
+          <a:lstStyle/>
+          <a:p>
+            <a:pPr algn="ctr"/>
+            <a:r>
+              <a:rPr lang="en-US" altLang="ja-JP" sz="1600" dirty="0"/>
+              <a:t>use resource </a:t>
+            </a:r>
+          </a:p>
+          <a:p>
+            <a:pPr algn="ctr"/>
+            <a:r>
+              <a:rPr lang="en-US" altLang="ja-JP" sz="1600" dirty="0"/>
+              <a:t>as the need arises</a:t>
             </a:r>
             <a:endParaRPr kumimoji="1" lang="ja-JP" altLang="en-US"/>
           </a:p>
@@ -5389,7 +5641,7 @@
         </p:nvSpPr>
         <p:spPr>
           <a:xfrm>
-            <a:off x="3981306" y="818088"/>
+            <a:off x="3981306" y="849618"/>
             <a:ext cx="5273096" cy="414462"/>
           </a:xfrm>
           <a:prstGeom prst="wedgeRoundRectCallout">
@@ -5421,7 +5673,7 @@
             <a:pPr algn="ctr"/>
             <a:r>
               <a:rPr lang="en-US" altLang="ja-JP" dirty="0"/>
-              <a:t>Bid offer resource time and cost</a:t>
+              <a:t>Bid provided resource, time and cost</a:t>
             </a:r>
             <a:endParaRPr kumimoji="1" lang="ja-JP" altLang="en-US"/>
           </a:p>
@@ -5455,7 +5707,7 @@
         </p:blipFill>
         <p:spPr>
           <a:xfrm>
-            <a:off x="2939920" y="1644597"/>
+            <a:off x="2939920" y="1676127"/>
             <a:ext cx="765601" cy="765601"/>
           </a:xfrm>
           <a:prstGeom prst="rect">
@@ -5491,7 +5743,7 @@
         </p:blipFill>
         <p:spPr>
           <a:xfrm>
-            <a:off x="5716158" y="3924812"/>
+            <a:off x="5716158" y="3956342"/>
             <a:ext cx="765601" cy="765601"/>
           </a:xfrm>
           <a:prstGeom prst="rect">
@@ -5527,7 +5779,7 @@
         </p:blipFill>
         <p:spPr>
           <a:xfrm>
-            <a:off x="3068077" y="3944378"/>
+            <a:off x="3068077" y="3975908"/>
             <a:ext cx="765601" cy="765601"/>
           </a:xfrm>
           <a:prstGeom prst="rect">
@@ -5549,7 +5801,7 @@
         </p:nvSpPr>
         <p:spPr>
           <a:xfrm>
-            <a:off x="2812457" y="2468508"/>
+            <a:off x="2812457" y="2500038"/>
             <a:ext cx="3805397" cy="1445936"/>
           </a:xfrm>
           <a:prstGeom prst="rect">
@@ -5601,7 +5853,7 @@
         </p:nvSpPr>
         <p:spPr>
           <a:xfrm>
-            <a:off x="1747923" y="1973891"/>
+            <a:off x="1747923" y="2005421"/>
             <a:ext cx="1712722" cy="369332"/>
           </a:xfrm>
           <a:prstGeom prst="rect">
@@ -5637,7 +5889,7 @@
         </p:nvSpPr>
         <p:spPr>
           <a:xfrm>
-            <a:off x="1726070" y="4009587"/>
+            <a:off x="1726070" y="4041117"/>
             <a:ext cx="1308895" cy="369332"/>
           </a:xfrm>
           <a:prstGeom prst="rect">
@@ -5673,7 +5925,7 @@
         </p:nvSpPr>
         <p:spPr>
           <a:xfrm rot="12600000">
-            <a:off x="3447735" y="3567694"/>
+            <a:off x="3447735" y="3599224"/>
             <a:ext cx="315527" cy="648000"/>
           </a:xfrm>
           <a:prstGeom prst="downArrow">
@@ -5722,7 +5974,7 @@
         </p:nvSpPr>
         <p:spPr>
           <a:xfrm rot="9000000">
-            <a:off x="5805709" y="3493883"/>
+            <a:off x="5805709" y="3525413"/>
             <a:ext cx="315527" cy="648000"/>
           </a:xfrm>
           <a:prstGeom prst="downArrow">
@@ -5785,7 +6037,7 @@
         </p:blipFill>
         <p:spPr>
           <a:xfrm>
-            <a:off x="5660902" y="1570514"/>
+            <a:off x="5660902" y="1602044"/>
             <a:ext cx="765601" cy="765601"/>
           </a:xfrm>
           <a:prstGeom prst="rect">
@@ -5807,7 +6059,7 @@
         </p:nvSpPr>
         <p:spPr>
           <a:xfrm rot="-1800000">
-            <a:off x="3314081" y="2323742"/>
+            <a:off x="3314081" y="2355272"/>
             <a:ext cx="315527" cy="648000"/>
           </a:xfrm>
           <a:prstGeom prst="downArrow">
@@ -5856,7 +6108,7 @@
         </p:nvSpPr>
         <p:spPr>
           <a:xfrm rot="1800000">
-            <a:off x="5800181" y="2280374"/>
+            <a:off x="5800181" y="2311904"/>
             <a:ext cx="315527" cy="648000"/>
           </a:xfrm>
           <a:prstGeom prst="downArrow">
@@ -5919,7 +6171,7 @@
         </p:blipFill>
         <p:spPr>
           <a:xfrm>
-            <a:off x="4262998" y="1570514"/>
+            <a:off x="4262998" y="1602044"/>
             <a:ext cx="765601" cy="765601"/>
           </a:xfrm>
           <a:prstGeom prst="rect">
@@ -5941,7 +6193,7 @@
         </p:nvSpPr>
         <p:spPr>
           <a:xfrm>
-            <a:off x="4492937" y="2296231"/>
+            <a:off x="4492937" y="2327761"/>
             <a:ext cx="315527" cy="648000"/>
           </a:xfrm>
           <a:prstGeom prst="downArrow">
@@ -6004,7 +6256,7 @@
         </p:blipFill>
         <p:spPr>
           <a:xfrm>
-            <a:off x="4262998" y="3944378"/>
+            <a:off x="4262998" y="3975908"/>
             <a:ext cx="765601" cy="765601"/>
           </a:xfrm>
           <a:prstGeom prst="rect">
@@ -6026,7 +6278,7 @@
         </p:nvSpPr>
         <p:spPr>
           <a:xfrm rot="10800000">
-            <a:off x="4517642" y="3510328"/>
+            <a:off x="4517642" y="3541858"/>
             <a:ext cx="315527" cy="648000"/>
           </a:xfrm>
           <a:prstGeom prst="downArrow">
@@ -6075,7 +6327,7 @@
         </p:nvSpPr>
         <p:spPr>
           <a:xfrm>
-            <a:off x="3096968" y="2934110"/>
+            <a:off x="3096968" y="2965640"/>
             <a:ext cx="3422991" cy="615553"/>
           </a:xfrm>
           <a:prstGeom prst="rect">
@@ -6133,7 +6385,7 @@
         </p:nvSpPr>
         <p:spPr>
           <a:xfrm>
-            <a:off x="3603331" y="2349226"/>
+            <a:off x="3603331" y="2380756"/>
             <a:ext cx="2130962" cy="338554"/>
           </a:xfrm>
           <a:prstGeom prst="rect">
@@ -6164,7 +6416,7 @@
             <a:pPr algn="ctr"/>
             <a:r>
               <a:rPr lang="en-US" altLang="ja-JP" sz="1600" dirty="0"/>
-              <a:t>Provider resource</a:t>
+              <a:t>Provide resource</a:t>
             </a:r>
             <a:endParaRPr kumimoji="1" lang="ja-JP" altLang="en-US" sz="1600" dirty="0"/>
           </a:p>
@@ -6184,7 +6436,7 @@
         </p:nvSpPr>
         <p:spPr>
           <a:xfrm>
-            <a:off x="3603331" y="3706484"/>
+            <a:off x="3603331" y="3738014"/>
             <a:ext cx="2130962" cy="338554"/>
           </a:xfrm>
           <a:prstGeom prst="rect">
@@ -6235,7 +6487,7 @@
         </p:nvSpPr>
         <p:spPr>
           <a:xfrm>
-            <a:off x="1726070" y="1570514"/>
+            <a:off x="1726070" y="1602044"/>
             <a:ext cx="5984644" cy="3225777"/>
           </a:xfrm>
           <a:prstGeom prst="roundRect">
@@ -6289,7 +6541,7 @@
         </p:nvSpPr>
         <p:spPr>
           <a:xfrm>
-            <a:off x="2707022" y="1222638"/>
+            <a:off x="2707022" y="1254168"/>
             <a:ext cx="4202882" cy="369332"/>
           </a:xfrm>
           <a:prstGeom prst="rect">
@@ -6313,122 +6565,6 @@
       </p:sp>
       <p:sp>
         <p:nvSpPr>
-          <p:cNvPr id="26" name="テキスト ボックス 25">
-            <a:extLst>
-              <a:ext uri="{FF2B5EF4-FFF2-40B4-BE49-F238E27FC236}">
-                <a16:creationId xmlns:a16="http://schemas.microsoft.com/office/drawing/2014/main" id="{5D72674C-EA4C-9E49-B5FC-8A6A69409B86}"/>
-              </a:ext>
-            </a:extLst>
-          </p:cNvPr>
-          <p:cNvSpPr txBox="1"/>
-          <p:nvPr/>
-        </p:nvSpPr>
-        <p:spPr>
-          <a:xfrm>
-            <a:off x="1532394" y="4351160"/>
-            <a:ext cx="1620957" cy="338554"/>
-          </a:xfrm>
-          <a:prstGeom prst="rect">
-            <a:avLst/>
-          </a:prstGeom>
-        </p:spPr>
-        <p:style>
-          <a:lnRef idx="2">
-            <a:schemeClr val="accent2"/>
-          </a:lnRef>
-          <a:fillRef idx="1">
-            <a:schemeClr val="lt1"/>
-          </a:fillRef>
-          <a:effectRef idx="0">
-            <a:schemeClr val="accent2"/>
-          </a:effectRef>
-          <a:fontRef idx="minor">
-            <a:schemeClr val="dk1"/>
-          </a:fontRef>
-        </p:style>
-        <p:txBody>
-          <a:bodyPr wrap="none" rtlCol="0">
-            <a:spAutoFit/>
-          </a:bodyPr>
-          <a:lstStyle/>
-          <a:p>
-            <a:pPr algn="l"/>
-            <a:r>
-              <a:rPr kumimoji="1" lang="ja-JP" altLang="en-US" sz="1600">
-                <a:solidFill>
-                  <a:schemeClr val="accent2"/>
-                </a:solidFill>
-              </a:rPr>
-              <a:t>リソース要求側</a:t>
-            </a:r>
-            <a:endParaRPr kumimoji="1" lang="ja-JP" altLang="en-US" sz="1600" dirty="0">
-              <a:solidFill>
-                <a:schemeClr val="accent2"/>
-              </a:solidFill>
-            </a:endParaRPr>
-          </a:p>
-        </p:txBody>
-      </p:sp>
-      <p:sp>
-        <p:nvSpPr>
-          <p:cNvPr id="27" name="テキスト ボックス 26">
-            <a:extLst>
-              <a:ext uri="{FF2B5EF4-FFF2-40B4-BE49-F238E27FC236}">
-                <a16:creationId xmlns:a16="http://schemas.microsoft.com/office/drawing/2014/main" id="{43FE9EC3-B390-3649-9C19-BDA60868544F}"/>
-              </a:ext>
-            </a:extLst>
-          </p:cNvPr>
-          <p:cNvSpPr txBox="1"/>
-          <p:nvPr/>
-        </p:nvSpPr>
-        <p:spPr>
-          <a:xfrm>
-            <a:off x="6270398" y="2444874"/>
-            <a:ext cx="1620957" cy="338554"/>
-          </a:xfrm>
-          <a:prstGeom prst="rect">
-            <a:avLst/>
-          </a:prstGeom>
-        </p:spPr>
-        <p:style>
-          <a:lnRef idx="2">
-            <a:schemeClr val="accent2"/>
-          </a:lnRef>
-          <a:fillRef idx="1">
-            <a:schemeClr val="lt1"/>
-          </a:fillRef>
-          <a:effectRef idx="0">
-            <a:schemeClr val="accent2"/>
-          </a:effectRef>
-          <a:fontRef idx="minor">
-            <a:schemeClr val="dk1"/>
-          </a:fontRef>
-        </p:style>
-        <p:txBody>
-          <a:bodyPr wrap="none" rtlCol="0">
-            <a:spAutoFit/>
-          </a:bodyPr>
-          <a:lstStyle/>
-          <a:p>
-            <a:pPr algn="l"/>
-            <a:r>
-              <a:rPr kumimoji="1" lang="ja-JP" altLang="en-US" sz="1600">
-                <a:solidFill>
-                  <a:schemeClr val="accent2"/>
-                </a:solidFill>
-              </a:rPr>
-              <a:t>リソース提供側</a:t>
-            </a:r>
-            <a:endParaRPr kumimoji="1" lang="ja-JP" altLang="en-US" sz="1600" dirty="0">
-              <a:solidFill>
-                <a:schemeClr val="accent2"/>
-              </a:solidFill>
-            </a:endParaRPr>
-          </a:p>
-        </p:txBody>
-      </p:sp>
-      <p:sp>
-        <p:nvSpPr>
           <p:cNvPr id="28" name="角丸四角形吹き出し 27">
             <a:extLst>
               <a:ext uri="{FF2B5EF4-FFF2-40B4-BE49-F238E27FC236}">
@@ -6441,7 +6577,7 @@
         </p:nvSpPr>
         <p:spPr>
           <a:xfrm>
-            <a:off x="145039" y="5025196"/>
+            <a:off x="145039" y="5056726"/>
             <a:ext cx="4883560" cy="434637"/>
           </a:xfrm>
           <a:prstGeom prst="wedgeRoundRectCallout">
@@ -6473,7 +6609,7 @@
             <a:pPr algn="ctr"/>
             <a:r>
               <a:rPr kumimoji="1" lang="en-US" altLang="ja-JP" dirty="0"/>
-              <a:t>Bid  require resource time and budget</a:t>
+              <a:t>Bid  requested resource, time and budget</a:t>
             </a:r>
             <a:endParaRPr kumimoji="1" lang="ja-JP" altLang="en-US"/>
           </a:p>

--- a/Paper/master-thesis/src/img/修論用の図.pptx
+++ b/Paper/master-thesis/src/img/修論用の図.pptx
@@ -5430,10 +5430,9 @@
           <a:p>
             <a:pPr algn="ctr"/>
             <a:r>
-              <a:rPr kumimoji="1" lang="en-US" altLang="ja-JP" sz="1600"/>
+              <a:rPr kumimoji="1" lang="en-US" altLang="ja-JP" sz="1600" dirty="0"/>
               <a:t>share </a:t>
             </a:r>
-            <a:endParaRPr kumimoji="1" lang="en-US" altLang="ja-JP" sz="1600" dirty="0"/>
           </a:p>
           <a:p>
             <a:pPr algn="ctr"/>
